--- a/Documentation/Demo1_Presentation.pptx
+++ b/Documentation/Demo1_Presentation.pptx
@@ -6,7 +6,8 @@
   </p:sldMasterIdLst>
   <p:sldIdLst>
     <p:sldId id="257" r:id="rId2"/>
-    <p:sldId id="256" r:id="rId3"/>
+    <p:sldId id="258" r:id="rId3"/>
+    <p:sldId id="256" r:id="rId4"/>
   </p:sldIdLst>
   <p:sldSz cx="12192000" cy="6858000"/>
   <p:notesSz cx="6858000" cy="9144000"/>
@@ -105,7 +106,16 @@
       </a:defRPr>
     </a:lvl9pPr>
   </p:defaultTextStyle>
+  <p:extLst>
+    <p:ext uri="{EFAFB233-063F-42B5-8137-9DF3F51BA10A}">
+      <p15:sldGuideLst xmlns:p15="http://schemas.microsoft.com/office/powerpoint/2012/main"/>
+    </p:ext>
+  </p:extLst>
 </p:presentation>
+</file>
+
+<file path=ppt/revisionInfo.xml><?xml version="1.0" encoding="utf-8"?>
+<p1510:revInfo xmlns:a="http://schemas.openxmlformats.org/drawingml/2006/main" xmlns:r="http://schemas.openxmlformats.org/officeDocument/2006/relationships" xmlns:p1510="http://schemas.microsoft.com/office/powerpoint/2015/10/main"/>
 </file>
 
 <file path=ppt/charts/chart1.xml><?xml version="1.0" encoding="utf-8"?>
@@ -369,195 +379,6 @@
           <c:extLst>
             <c:ext xmlns:c16="http://schemas.microsoft.com/office/drawing/2014/chart" uri="{C3380CC4-5D6E-409C-BE32-E72D297353CC}">
               <c16:uniqueId val="{00000000-92C0-4687-AAA2-626C67173509}"/>
-            </c:ext>
-          </c:extLst>
-        </c:ser>
-        <c:ser>
-          <c:idx val="1"/>
-          <c:order val="1"/>
-          <c:tx>
-            <c:strRef>
-              <c:f>Sheet1!$C$1</c:f>
-              <c:strCache>
-                <c:ptCount val="1"/>
-                <c:pt idx="0">
-                  <c:v>Predicted tasks left</c:v>
-                </c:pt>
-              </c:strCache>
-            </c:strRef>
-          </c:tx>
-          <c:spPr>
-            <a:ln w="19050" cap="rnd">
-              <a:solidFill>
-                <a:schemeClr val="accent2"/>
-              </a:solidFill>
-              <a:round/>
-            </a:ln>
-            <a:effectLst/>
-          </c:spPr>
-          <c:marker>
-            <c:symbol val="circle"/>
-            <c:size val="5"/>
-            <c:spPr>
-              <a:solidFill>
-                <a:schemeClr val="accent2"/>
-              </a:solidFill>
-              <a:ln w="9525">
-                <a:solidFill>
-                  <a:schemeClr val="accent2"/>
-                </a:solidFill>
-              </a:ln>
-              <a:effectLst/>
-            </c:spPr>
-          </c:marker>
-          <c:xVal>
-            <c:numRef>
-              <c:f>Sheet1!$A$2:$A$22</c:f>
-              <c:numCache>
-                <c:formatCode>General</c:formatCode>
-                <c:ptCount val="21"/>
-                <c:pt idx="0">
-                  <c:v>21</c:v>
-                </c:pt>
-                <c:pt idx="1">
-                  <c:v>20</c:v>
-                </c:pt>
-                <c:pt idx="2">
-                  <c:v>19</c:v>
-                </c:pt>
-                <c:pt idx="3">
-                  <c:v>18</c:v>
-                </c:pt>
-                <c:pt idx="4">
-                  <c:v>17</c:v>
-                </c:pt>
-                <c:pt idx="5">
-                  <c:v>16</c:v>
-                </c:pt>
-                <c:pt idx="6">
-                  <c:v>15</c:v>
-                </c:pt>
-                <c:pt idx="7">
-                  <c:v>14</c:v>
-                </c:pt>
-                <c:pt idx="8">
-                  <c:v>13</c:v>
-                </c:pt>
-                <c:pt idx="9">
-                  <c:v>12</c:v>
-                </c:pt>
-                <c:pt idx="10">
-                  <c:v>11</c:v>
-                </c:pt>
-                <c:pt idx="11">
-                  <c:v>10</c:v>
-                </c:pt>
-                <c:pt idx="12">
-                  <c:v>9</c:v>
-                </c:pt>
-                <c:pt idx="13">
-                  <c:v>8</c:v>
-                </c:pt>
-                <c:pt idx="14">
-                  <c:v>7</c:v>
-                </c:pt>
-                <c:pt idx="15">
-                  <c:v>6</c:v>
-                </c:pt>
-                <c:pt idx="16">
-                  <c:v>5</c:v>
-                </c:pt>
-                <c:pt idx="17">
-                  <c:v>4</c:v>
-                </c:pt>
-                <c:pt idx="18">
-                  <c:v>3</c:v>
-                </c:pt>
-                <c:pt idx="19">
-                  <c:v>2</c:v>
-                </c:pt>
-                <c:pt idx="20">
-                  <c:v>1</c:v>
-                </c:pt>
-              </c:numCache>
-            </c:numRef>
-          </c:xVal>
-          <c:yVal>
-            <c:numRef>
-              <c:f>Sheet1!$C$2:$C$22</c:f>
-              <c:numCache>
-                <c:formatCode>General</c:formatCode>
-                <c:ptCount val="21"/>
-                <c:pt idx="0">
-                  <c:v>0</c:v>
-                </c:pt>
-                <c:pt idx="1">
-                  <c:v>2</c:v>
-                </c:pt>
-                <c:pt idx="2">
-                  <c:v>4</c:v>
-                </c:pt>
-                <c:pt idx="3">
-                  <c:v>4</c:v>
-                </c:pt>
-                <c:pt idx="4">
-                  <c:v>5</c:v>
-                </c:pt>
-                <c:pt idx="5">
-                  <c:v>5</c:v>
-                </c:pt>
-                <c:pt idx="6">
-                  <c:v>5</c:v>
-                </c:pt>
-                <c:pt idx="7">
-                  <c:v>6</c:v>
-                </c:pt>
-                <c:pt idx="8">
-                  <c:v>6</c:v>
-                </c:pt>
-                <c:pt idx="9">
-                  <c:v>8</c:v>
-                </c:pt>
-                <c:pt idx="10">
-                  <c:v>9</c:v>
-                </c:pt>
-                <c:pt idx="11">
-                  <c:v>9</c:v>
-                </c:pt>
-                <c:pt idx="12">
-                  <c:v>10</c:v>
-                </c:pt>
-                <c:pt idx="13">
-                  <c:v>11</c:v>
-                </c:pt>
-                <c:pt idx="14">
-                  <c:v>11</c:v>
-                </c:pt>
-                <c:pt idx="15">
-                  <c:v>13</c:v>
-                </c:pt>
-                <c:pt idx="16">
-                  <c:v>18</c:v>
-                </c:pt>
-                <c:pt idx="17">
-                  <c:v>19</c:v>
-                </c:pt>
-                <c:pt idx="18">
-                  <c:v>20</c:v>
-                </c:pt>
-                <c:pt idx="19">
-                  <c:v>20</c:v>
-                </c:pt>
-                <c:pt idx="20">
-                  <c:v>20</c:v>
-                </c:pt>
-              </c:numCache>
-            </c:numRef>
-          </c:yVal>
-          <c:smooth val="0"/>
-          <c:extLst>
-            <c:ext xmlns:c16="http://schemas.microsoft.com/office/drawing/2014/chart" uri="{C3380CC4-5D6E-409C-BE32-E72D297353CC}">
-              <c16:uniqueId val="{00000001-92C0-4687-AAA2-626C67173509}"/>
             </c:ext>
           </c:extLst>
         </c:ser>
@@ -4353,6 +4174,74 @@
           <a:chExt cx="0" cy="0"/>
         </a:xfrm>
       </p:grpSpPr>
+      <p:sp>
+        <p:nvSpPr>
+          <p:cNvPr id="2" name="Title 1"/>
+          <p:cNvSpPr>
+            <a:spLocks noGrp="1"/>
+          </p:cNvSpPr>
+          <p:nvPr>
+            <p:ph type="title"/>
+          </p:nvPr>
+        </p:nvSpPr>
+        <p:spPr/>
+        <p:txBody>
+          <a:bodyPr/>
+          <a:lstStyle/>
+          <a:p>
+            <a:endParaRPr lang="en-US" dirty="0"/>
+          </a:p>
+        </p:txBody>
+      </p:sp>
+      <p:sp>
+        <p:nvSpPr>
+          <p:cNvPr id="3" name="Content Placeholder 2"/>
+          <p:cNvSpPr>
+            <a:spLocks noGrp="1"/>
+          </p:cNvSpPr>
+          <p:nvPr>
+            <p:ph idx="1"/>
+          </p:nvPr>
+        </p:nvSpPr>
+        <p:spPr/>
+        <p:txBody>
+          <a:bodyPr/>
+          <a:lstStyle/>
+          <a:p>
+            <a:endParaRPr lang="en-US"/>
+          </a:p>
+        </p:txBody>
+      </p:sp>
+    </p:spTree>
+    <p:extLst>
+      <p:ext uri="{BB962C8B-B14F-4D97-AF65-F5344CB8AC3E}">
+        <p14:creationId xmlns:p14="http://schemas.microsoft.com/office/powerpoint/2010/main" val="108371884"/>
+      </p:ext>
+    </p:extLst>
+  </p:cSld>
+  <p:clrMapOvr>
+    <a:masterClrMapping/>
+  </p:clrMapOvr>
+</p:sld>
+</file>
+
+<file path=ppt/slides/slide3.xml><?xml version="1.0" encoding="utf-8"?>
+<p:sld xmlns:a="http://schemas.openxmlformats.org/drawingml/2006/main" xmlns:r="http://schemas.openxmlformats.org/officeDocument/2006/relationships" xmlns:p="http://schemas.openxmlformats.org/presentationml/2006/main">
+  <p:cSld>
+    <p:spTree>
+      <p:nvGrpSpPr>
+        <p:cNvPr id="1" name=""/>
+        <p:cNvGrpSpPr/>
+        <p:nvPr/>
+      </p:nvGrpSpPr>
+      <p:grpSpPr>
+        <a:xfrm>
+          <a:off x="0" y="0"/>
+          <a:ext cx="0" cy="0"/>
+          <a:chOff x="0" y="0"/>
+          <a:chExt cx="0" cy="0"/>
+        </a:xfrm>
+      </p:grpSpPr>
       <p:graphicFrame>
         <p:nvGraphicFramePr>
           <p:cNvPr id="7" name="Chart 6"/>
@@ -4360,13 +4249,13 @@
           <p:nvPr>
             <p:extLst>
               <p:ext uri="{D42A27DB-BD31-4B8C-83A1-F6EECF244321}">
-                <p14:modId xmlns:p14="http://schemas.microsoft.com/office/powerpoint/2010/main" val="913054753"/>
+                <p14:modId xmlns:p14="http://schemas.microsoft.com/office/powerpoint/2010/main" val="2017096440"/>
               </p:ext>
             </p:extLst>
           </p:nvPr>
         </p:nvGraphicFramePr>
         <p:xfrm>
-          <a:off x="312057" y="635690"/>
+          <a:off x="312057" y="618912"/>
           <a:ext cx="8128000" cy="5418667"/>
         </p:xfrm>
         <a:graphic>
@@ -4590,8 +4479,8 @@
         </p:nvSpPr>
         <p:spPr>
           <a:xfrm>
-            <a:off x="8640147" y="1306286"/>
-            <a:ext cx="3219061" cy="4801314"/>
+            <a:off x="8580020" y="117693"/>
+            <a:ext cx="3219061" cy="6740307"/>
           </a:xfrm>
           <a:prstGeom prst="rect">
             <a:avLst/>
@@ -4661,6 +4550,26 @@
             <a:r>
               <a:rPr lang="en-US" dirty="0"/>
               <a:t>Most time spent and work done will be on Implementation.</a:t>
+            </a:r>
+          </a:p>
+          <a:p>
+            <a:pPr marL="285750" indent="-285750">
+              <a:buFont typeface="Arial" panose="020B0604020202020204" pitchFamily="34" charset="0"/>
+              <a:buChar char="•"/>
+            </a:pPr>
+            <a:r>
+              <a:rPr lang="en-US" dirty="0"/>
+              <a:t>We will be using Waffle as a live scrum board tracking our progress.</a:t>
+            </a:r>
+          </a:p>
+          <a:p>
+            <a:pPr marL="285750" indent="-285750">
+              <a:buFont typeface="Arial" panose="020B0604020202020204" pitchFamily="34" charset="0"/>
+              <a:buChar char="•"/>
+            </a:pPr>
+            <a:r>
+              <a:rPr lang="en-US" dirty="0"/>
+              <a:t>Team will never follow this straight line, it implies the team will work at a constant velocity</a:t>
             </a:r>
           </a:p>
         </p:txBody>
